--- a/110 자율비행 기술 세미나 일정.pptx
+++ b/110 자율비행 기술 세미나 일정.pptx
@@ -131,61 +131,6 @@
 
 <file path=ppt/changesInfos/changesInfo1.xml><?xml version="1.0" encoding="utf-8"?>
 <pc:chgInfo xmlns:a="http://schemas.openxmlformats.org/drawingml/2006/main" xmlns:r="http://schemas.openxmlformats.org/officeDocument/2006/relationships" xmlns:ac="http://schemas.microsoft.com/office/drawing/2013/main/command" xmlns:pc="http://schemas.microsoft.com/office/powerpoint/2013/main/command">
-  <pc:docChgLst>
-    <pc:chgData name="sun above" userId="af778d66278731e4" providerId="LiveId" clId="{796914D3-93D1-4E1F-976E-2D24FD9829C2}"/>
-    <pc:docChg chg="custSel addSld modSld">
-      <pc:chgData name="sun above" userId="af778d66278731e4" providerId="LiveId" clId="{796914D3-93D1-4E1F-976E-2D24FD9829C2}" dt="2019-05-23T23:59:05.570" v="670"/>
-      <pc:docMkLst>
-        <pc:docMk/>
-      </pc:docMkLst>
-      <pc:sldChg chg="modSp">
-        <pc:chgData name="sun above" userId="af778d66278731e4" providerId="LiveId" clId="{796914D3-93D1-4E1F-976E-2D24FD9829C2}" dt="2019-05-23T23:39:23.477" v="65"/>
-        <pc:sldMkLst>
-          <pc:docMk/>
-          <pc:sldMk cId="425629047" sldId="256"/>
-        </pc:sldMkLst>
-        <pc:spChg chg="mod">
-          <ac:chgData name="sun above" userId="af778d66278731e4" providerId="LiveId" clId="{796914D3-93D1-4E1F-976E-2D24FD9829C2}" dt="2019-05-23T23:39:06.991" v="34"/>
-          <ac:spMkLst>
-            <pc:docMk/>
-            <pc:sldMk cId="425629047" sldId="256"/>
-            <ac:spMk id="2" creationId="{00000000-0000-0000-0000-000000000000}"/>
-          </ac:spMkLst>
-        </pc:spChg>
-        <pc:spChg chg="mod">
-          <ac:chgData name="sun above" userId="af778d66278731e4" providerId="LiveId" clId="{796914D3-93D1-4E1F-976E-2D24FD9829C2}" dt="2019-05-23T23:39:23.477" v="65"/>
-          <ac:spMkLst>
-            <pc:docMk/>
-            <pc:sldMk cId="425629047" sldId="256"/>
-            <ac:spMk id="3" creationId="{00000000-0000-0000-0000-000000000000}"/>
-          </ac:spMkLst>
-        </pc:spChg>
-      </pc:sldChg>
-      <pc:sldChg chg="modSp add">
-        <pc:chgData name="sun above" userId="af778d66278731e4" providerId="LiveId" clId="{796914D3-93D1-4E1F-976E-2D24FD9829C2}" dt="2019-05-23T23:59:05.570" v="670"/>
-        <pc:sldMkLst>
-          <pc:docMk/>
-          <pc:sldMk cId="2786835179" sldId="260"/>
-        </pc:sldMkLst>
-        <pc:spChg chg="mod">
-          <ac:chgData name="sun above" userId="af778d66278731e4" providerId="LiveId" clId="{796914D3-93D1-4E1F-976E-2D24FD9829C2}" dt="2019-05-23T23:41:56.679" v="177" actId="20577"/>
-          <ac:spMkLst>
-            <pc:docMk/>
-            <pc:sldMk cId="2786835179" sldId="260"/>
-            <ac:spMk id="2" creationId="{EB44AA07-4FE7-47C0-9637-C653BDBAE9B7}"/>
-          </ac:spMkLst>
-        </pc:spChg>
-        <pc:graphicFrameChg chg="mod modGraphic">
-          <ac:chgData name="sun above" userId="af778d66278731e4" providerId="LiveId" clId="{796914D3-93D1-4E1F-976E-2D24FD9829C2}" dt="2019-05-23T23:59:05.570" v="670"/>
-          <ac:graphicFrameMkLst>
-            <pc:docMk/>
-            <pc:sldMk cId="2786835179" sldId="260"/>
-            <ac:graphicFrameMk id="7" creationId="{1D5C2C5D-82A0-4852-B90D-703DF0E71E9A}"/>
-          </ac:graphicFrameMkLst>
-        </pc:graphicFrameChg>
-      </pc:sldChg>
-    </pc:docChg>
-  </pc:docChgLst>
   <pc:docChgLst>
     <pc:chgData name="sun above" userId="af778d66278731e4" providerId="LiveId" clId="{552B5A4A-72AE-459A-85B2-74401FBF69C3}"/>
     <pc:docChg chg="undo redo custSel addSld delSld modSld sldOrd modMainMaster modNotesMaster">
@@ -343,6 +288,61 @@
           </pc:spChg>
         </pc:sldLayoutChg>
       </pc:sldMasterChg>
+    </pc:docChg>
+  </pc:docChgLst>
+  <pc:docChgLst>
+    <pc:chgData name="sun above" userId="af778d66278731e4" providerId="LiveId" clId="{796914D3-93D1-4E1F-976E-2D24FD9829C2}"/>
+    <pc:docChg chg="custSel addSld modSld">
+      <pc:chgData name="sun above" userId="af778d66278731e4" providerId="LiveId" clId="{796914D3-93D1-4E1F-976E-2D24FD9829C2}" dt="2019-05-23T23:59:05.570" v="670"/>
+      <pc:docMkLst>
+        <pc:docMk/>
+      </pc:docMkLst>
+      <pc:sldChg chg="modSp">
+        <pc:chgData name="sun above" userId="af778d66278731e4" providerId="LiveId" clId="{796914D3-93D1-4E1F-976E-2D24FD9829C2}" dt="2019-05-23T23:39:23.477" v="65"/>
+        <pc:sldMkLst>
+          <pc:docMk/>
+          <pc:sldMk cId="425629047" sldId="256"/>
+        </pc:sldMkLst>
+        <pc:spChg chg="mod">
+          <ac:chgData name="sun above" userId="af778d66278731e4" providerId="LiveId" clId="{796914D3-93D1-4E1F-976E-2D24FD9829C2}" dt="2019-05-23T23:39:06.991" v="34"/>
+          <ac:spMkLst>
+            <pc:docMk/>
+            <pc:sldMk cId="425629047" sldId="256"/>
+            <ac:spMk id="2" creationId="{00000000-0000-0000-0000-000000000000}"/>
+          </ac:spMkLst>
+        </pc:spChg>
+        <pc:spChg chg="mod">
+          <ac:chgData name="sun above" userId="af778d66278731e4" providerId="LiveId" clId="{796914D3-93D1-4E1F-976E-2D24FD9829C2}" dt="2019-05-23T23:39:23.477" v="65"/>
+          <ac:spMkLst>
+            <pc:docMk/>
+            <pc:sldMk cId="425629047" sldId="256"/>
+            <ac:spMk id="3" creationId="{00000000-0000-0000-0000-000000000000}"/>
+          </ac:spMkLst>
+        </pc:spChg>
+      </pc:sldChg>
+      <pc:sldChg chg="modSp add">
+        <pc:chgData name="sun above" userId="af778d66278731e4" providerId="LiveId" clId="{796914D3-93D1-4E1F-976E-2D24FD9829C2}" dt="2019-05-23T23:59:05.570" v="670"/>
+        <pc:sldMkLst>
+          <pc:docMk/>
+          <pc:sldMk cId="2786835179" sldId="260"/>
+        </pc:sldMkLst>
+        <pc:spChg chg="mod">
+          <ac:chgData name="sun above" userId="af778d66278731e4" providerId="LiveId" clId="{796914D3-93D1-4E1F-976E-2D24FD9829C2}" dt="2019-05-23T23:41:56.679" v="177" actId="20577"/>
+          <ac:spMkLst>
+            <pc:docMk/>
+            <pc:sldMk cId="2786835179" sldId="260"/>
+            <ac:spMk id="2" creationId="{EB44AA07-4FE7-47C0-9637-C653BDBAE9B7}"/>
+          </ac:spMkLst>
+        </pc:spChg>
+        <pc:graphicFrameChg chg="mod modGraphic">
+          <ac:chgData name="sun above" userId="af778d66278731e4" providerId="LiveId" clId="{796914D3-93D1-4E1F-976E-2D24FD9829C2}" dt="2019-05-23T23:59:05.570" v="670"/>
+          <ac:graphicFrameMkLst>
+            <pc:docMk/>
+            <pc:sldMk cId="2786835179" sldId="260"/>
+            <ac:graphicFrameMk id="7" creationId="{1D5C2C5D-82A0-4852-B90D-703DF0E71E9A}"/>
+          </ac:graphicFrameMkLst>
+        </pc:graphicFrameChg>
+      </pc:sldChg>
     </pc:docChg>
   </pc:docChgLst>
 </pc:chgInfo>
@@ -3443,7 +3443,7 @@
             <p:ph idx="1"/>
             <p:extLst>
               <p:ext uri="{D42A27DB-BD31-4B8C-83A1-F6EECF244321}">
-                <p14:modId xmlns:p14="http://schemas.microsoft.com/office/powerpoint/2010/main" val="3120875153"/>
+                <p14:modId xmlns:p14="http://schemas.microsoft.com/office/powerpoint/2010/main" val="1056090775"/>
               </p:ext>
             </p:extLst>
           </p:nvPr>
@@ -4021,6 +4021,10 @@
                     <a:lstStyle/>
                     <a:p>
                       <a:pPr algn="ctr"/>
+                      <a:r>
+                        <a:rPr lang="en-US"/>
+                        <a:t>6</a:t>
+                      </a:r>
                       <a:endParaRPr lang="en-US" dirty="0"/>
                     </a:p>
                   </a:txBody>
